--- a/Documents/OriginFormat/対策・脆弱性・脅威・リスク・資産の関係.pptx
+++ b/Documents/OriginFormat/対策・脆弱性・脅威・リスク・資産の関係.pptx
@@ -2835,8 +2835,8 @@
         </p:nvSpPr>
         <p:spPr>
           <a:xfrm>
-            <a:off x="7573010" y="6337300"/>
-            <a:ext cx="4403090" cy="304800"/>
+            <a:off x="4017645" y="6203315"/>
+            <a:ext cx="7959725" cy="521970"/>
           </a:xfrm>
           <a:prstGeom prst="rect">
             <a:avLst/>
@@ -2866,9 +2866,22 @@
               <a:rPr lang="en-US" altLang="ja-JP" sz="1400">
                 <a:latin typeface="Takao Pゴシック" panose="020B0500000000000000" charset="-128"/>
                 <a:ea typeface="Takao Pゴシック" panose="020B0500000000000000" charset="-128"/>
-                <a:hlinkClick r:id="rId1" tooltip="" action="ppaction://hlinkfile"/>
               </a:rPr>
-              <a:t>※Original: ENSA Thread Landscape 2017 - P.22</a:t>
+              <a:t>※Original: ENISA Thread Landscape 2017 - P.22</a:t>
+            </a:r>
+            <a:endParaRPr lang="en-US" altLang="ja-JP" sz="1400">
+              <a:latin typeface="Takao Pゴシック" panose="020B0500000000000000" charset="-128"/>
+              <a:ea typeface="Takao Pゴシック" panose="020B0500000000000000" charset="-128"/>
+            </a:endParaRPr>
+          </a:p>
+          <a:p>
+            <a:pPr lvl="1" algn="l"/>
+            <a:r>
+              <a:rPr lang="ja-JP" altLang="en-US" sz="1400">
+                <a:latin typeface="Takao Pゴシック" panose="020B0500000000000000" charset="-128"/>
+                <a:ea typeface="Takao Pゴシック" panose="020B0500000000000000" charset="-128"/>
+              </a:rPr>
+              <a:t>https://www.enisa.europa.eu/publications/enisa-threat-landscape-report-2017</a:t>
             </a:r>
             <a:endParaRPr lang="ja-JP" altLang="en-US" sz="1400">
               <a:latin typeface="Takao Pゴシック" panose="020B0500000000000000" charset="-128"/>
@@ -3763,7 +3776,7 @@
           </a:xfrm>
           <a:prstGeom prst="bentConnector3">
             <a:avLst>
-              <a:gd name="adj1" fmla="val 493506"/>
+              <a:gd name="adj1" fmla="val 421428"/>
             </a:avLst>
           </a:prstGeom>
           <a:ln w="57150">
@@ -4029,7 +4042,7 @@
           <p:nvPr/>
         </p:nvPicPr>
         <p:blipFill>
-          <a:blip r:embed="rId2"/>
+          <a:blip r:embed="rId1"/>
           <a:stretch>
             <a:fillRect/>
           </a:stretch>
@@ -4197,7 +4210,7 @@
           <p:nvPr/>
         </p:nvPicPr>
         <p:blipFill>
-          <a:blip r:embed="rId3"/>
+          <a:blip r:embed="rId2"/>
           <a:stretch>
             <a:fillRect/>
           </a:stretch>
@@ -4221,7 +4234,7 @@
           <p:nvPr/>
         </p:nvPicPr>
         <p:blipFill>
-          <a:blip r:embed="rId4"/>
+          <a:blip r:embed="rId3"/>
           <a:stretch>
             <a:fillRect/>
           </a:stretch>
@@ -4245,7 +4258,7 @@
           <p:nvPr/>
         </p:nvPicPr>
         <p:blipFill>
-          <a:blip r:embed="rId5"/>
+          <a:blip r:embed="rId4"/>
           <a:stretch>
             <a:fillRect/>
           </a:stretch>
@@ -4269,7 +4282,7 @@
           <p:nvPr/>
         </p:nvPicPr>
         <p:blipFill>
-          <a:blip r:embed="rId6"/>
+          <a:blip r:embed="rId5"/>
           <a:stretch>
             <a:fillRect/>
           </a:stretch>
@@ -4293,7 +4306,7 @@
           <p:nvPr/>
         </p:nvPicPr>
         <p:blipFill>
-          <a:blip r:embed="rId7"/>
+          <a:blip r:embed="rId6"/>
           <a:stretch>
             <a:fillRect/>
           </a:stretch>
@@ -4317,7 +4330,7 @@
           <p:nvPr/>
         </p:nvPicPr>
         <p:blipFill>
-          <a:blip r:embed="rId8"/>
+          <a:blip r:embed="rId7"/>
           <a:stretch>
             <a:fillRect/>
           </a:stretch>
@@ -4341,7 +4354,7 @@
           <p:nvPr/>
         </p:nvPicPr>
         <p:blipFill>
-          <a:blip r:embed="rId9"/>
+          <a:blip r:embed="rId8"/>
           <a:stretch>
             <a:fillRect/>
           </a:stretch>
